--- a/solution_1_steve/project_I_deck_WIP_v3.pptx
+++ b/solution_1_steve/project_I_deck_WIP_v3.pptx
@@ -6042,12 +6042,88 @@
           </a:p>
         </p:txBody>
       </p:sp>
+      <p:sp>
+        <p:nvSpPr>
+          <p:cNvPr id="7" name="TextBox 6">
+            <a:extLst>
+              <a:ext uri="{FF2B5EF4-FFF2-40B4-BE49-F238E27FC236}">
+                <a16:creationId xmlns:a16="http://schemas.microsoft.com/office/drawing/2014/main" id="{EF3ACD42-5D57-4966-A2DB-EAFDFF30F8DC}"/>
+              </a:ext>
+            </a:extLst>
+          </p:cNvPr>
+          <p:cNvSpPr txBox="1"/>
+          <p:nvPr/>
+        </p:nvSpPr>
+        <p:spPr>
+          <a:xfrm>
+            <a:off x="1066800" y="2844225"/>
+            <a:ext cx="5387009" cy="2246769"/>
+          </a:xfrm>
+          <a:prstGeom prst="rect">
+            <a:avLst/>
+          </a:prstGeom>
+          <a:noFill/>
+        </p:spPr>
+        <p:txBody>
+          <a:bodyPr wrap="square" rtlCol="0">
+            <a:spAutoFit/>
+          </a:bodyPr>
+          <a:lstStyle/>
+          <a:p>
+            <a:r>
+              <a:rPr lang="en-US" sz="2800" dirty="0"/>
+              <a:t>Considering correlation between Appearance and Overall Review score, this scatterplot reflects a strong relationship based on the</a:t>
+            </a:r>
+          </a:p>
+          <a:p>
+            <a:r>
+              <a:rPr lang="en-US" sz="2800" dirty="0"/>
+              <a:t>r-squared value of 0.84.</a:t>
+            </a:r>
+          </a:p>
+        </p:txBody>
+      </p:sp>
+      <p:sp>
+        <p:nvSpPr>
+          <p:cNvPr id="2" name="TextBox 1">
+            <a:extLst>
+              <a:ext uri="{FF2B5EF4-FFF2-40B4-BE49-F238E27FC236}">
+                <a16:creationId xmlns:a16="http://schemas.microsoft.com/office/drawing/2014/main" id="{D68E10CA-AAB2-4C95-BC2C-D88D8DDBB08C}"/>
+              </a:ext>
+            </a:extLst>
+          </p:cNvPr>
+          <p:cNvSpPr txBox="1"/>
+          <p:nvPr/>
+        </p:nvSpPr>
+        <p:spPr>
+          <a:xfrm>
+            <a:off x="8255718" y="5958581"/>
+            <a:ext cx="2619628" cy="369332"/>
+          </a:xfrm>
+          <a:prstGeom prst="rect">
+            <a:avLst/>
+          </a:prstGeom>
+          <a:noFill/>
+        </p:spPr>
+        <p:txBody>
+          <a:bodyPr wrap="none" rtlCol="0">
+            <a:spAutoFit/>
+          </a:bodyPr>
+          <a:lstStyle/>
+          <a:p>
+            <a:r>
+              <a:rPr lang="en-US" i="1" dirty="0"/>
+              <a:t>r-squared value of 0.84</a:t>
+            </a:r>
+          </a:p>
+        </p:txBody>
+      </p:sp>
       <p:pic>
         <p:nvPicPr>
-          <p:cNvPr id="3" name="Picture 2">
+          <p:cNvPr id="6" name="Picture 5">
             <a:extLst>
               <a:ext uri="{FF2B5EF4-FFF2-40B4-BE49-F238E27FC236}">
-                <a16:creationId xmlns:a16="http://schemas.microsoft.com/office/drawing/2014/main" id="{E176AE58-F0FF-4B71-BBC8-912DC9548121}"/>
+                <a16:creationId xmlns:a16="http://schemas.microsoft.com/office/drawing/2014/main" id="{316F622B-CE90-4BE8-BA70-3738DDC8B62E}"/>
               </a:ext>
             </a:extLst>
           </p:cNvPr>
@@ -6064,90 +6140,14 @@
         </p:blipFill>
         <p:spPr>
           <a:xfrm>
-            <a:off x="7024894" y="2532302"/>
-            <a:ext cx="4290009" cy="3410286"/>
+            <a:off x="7025309" y="2533477"/>
+            <a:ext cx="4667388" cy="3347812"/>
           </a:xfrm>
           <a:prstGeom prst="rect">
             <a:avLst/>
           </a:prstGeom>
         </p:spPr>
       </p:pic>
-      <p:sp>
-        <p:nvSpPr>
-          <p:cNvPr id="7" name="TextBox 6">
-            <a:extLst>
-              <a:ext uri="{FF2B5EF4-FFF2-40B4-BE49-F238E27FC236}">
-                <a16:creationId xmlns:a16="http://schemas.microsoft.com/office/drawing/2014/main" id="{EF3ACD42-5D57-4966-A2DB-EAFDFF30F8DC}"/>
-              </a:ext>
-            </a:extLst>
-          </p:cNvPr>
-          <p:cNvSpPr txBox="1"/>
-          <p:nvPr/>
-        </p:nvSpPr>
-        <p:spPr>
-          <a:xfrm>
-            <a:off x="1066800" y="2844225"/>
-            <a:ext cx="5387009" cy="2246769"/>
-          </a:xfrm>
-          <a:prstGeom prst="rect">
-            <a:avLst/>
-          </a:prstGeom>
-          <a:noFill/>
-        </p:spPr>
-        <p:txBody>
-          <a:bodyPr wrap="square" rtlCol="0">
-            <a:spAutoFit/>
-          </a:bodyPr>
-          <a:lstStyle/>
-          <a:p>
-            <a:r>
-              <a:rPr lang="en-US" sz="2800" dirty="0"/>
-              <a:t>Considering correlation between Appearance and Overall Review score, this scatterplot reflects a strong relationship based on the</a:t>
-            </a:r>
-          </a:p>
-          <a:p>
-            <a:r>
-              <a:rPr lang="en-US" sz="2800" dirty="0"/>
-              <a:t>r-squared value of 0.84.</a:t>
-            </a:r>
-          </a:p>
-        </p:txBody>
-      </p:sp>
-      <p:sp>
-        <p:nvSpPr>
-          <p:cNvPr id="2" name="TextBox 1">
-            <a:extLst>
-              <a:ext uri="{FF2B5EF4-FFF2-40B4-BE49-F238E27FC236}">
-                <a16:creationId xmlns:a16="http://schemas.microsoft.com/office/drawing/2014/main" id="{D68E10CA-AAB2-4C95-BC2C-D88D8DDBB08C}"/>
-              </a:ext>
-            </a:extLst>
-          </p:cNvPr>
-          <p:cNvSpPr txBox="1"/>
-          <p:nvPr/>
-        </p:nvSpPr>
-        <p:spPr>
-          <a:xfrm>
-            <a:off x="8255718" y="5958581"/>
-            <a:ext cx="2619628" cy="369332"/>
-          </a:xfrm>
-          <a:prstGeom prst="rect">
-            <a:avLst/>
-          </a:prstGeom>
-          <a:noFill/>
-        </p:spPr>
-        <p:txBody>
-          <a:bodyPr wrap="none" rtlCol="0">
-            <a:spAutoFit/>
-          </a:bodyPr>
-          <a:lstStyle/>
-          <a:p>
-            <a:r>
-              <a:rPr lang="en-US" i="1" dirty="0"/>
-              <a:t>r-squared value of 0.84</a:t>
-            </a:r>
-          </a:p>
-        </p:txBody>
-      </p:sp>
     </p:spTree>
     <p:extLst>
       <p:ext uri="{BB962C8B-B14F-4D97-AF65-F5344CB8AC3E}">
@@ -6230,12 +6230,82 @@
           </a:p>
         </p:txBody>
       </p:sp>
+      <p:sp>
+        <p:nvSpPr>
+          <p:cNvPr id="7" name="TextBox 6">
+            <a:extLst>
+              <a:ext uri="{FF2B5EF4-FFF2-40B4-BE49-F238E27FC236}">
+                <a16:creationId xmlns:a16="http://schemas.microsoft.com/office/drawing/2014/main" id="{04AFB78C-1E6F-4C08-AE39-9F3DB2524D15}"/>
+              </a:ext>
+            </a:extLst>
+          </p:cNvPr>
+          <p:cNvSpPr txBox="1"/>
+          <p:nvPr/>
+        </p:nvSpPr>
+        <p:spPr>
+          <a:xfrm>
+            <a:off x="1066800" y="2844225"/>
+            <a:ext cx="5387009" cy="1815882"/>
+          </a:xfrm>
+          <a:prstGeom prst="rect">
+            <a:avLst/>
+          </a:prstGeom>
+          <a:noFill/>
+        </p:spPr>
+        <p:txBody>
+          <a:bodyPr wrap="square" rtlCol="0">
+            <a:spAutoFit/>
+          </a:bodyPr>
+          <a:lstStyle/>
+          <a:p>
+            <a:r>
+              <a:rPr lang="en-US" sz="2800" dirty="0"/>
+              <a:t>With an r-squared value of 0.93, a very strong linear relationship between Palate and Overall Review score exists.</a:t>
+            </a:r>
+          </a:p>
+        </p:txBody>
+      </p:sp>
+      <p:sp>
+        <p:nvSpPr>
+          <p:cNvPr id="2" name="TextBox 1">
+            <a:extLst>
+              <a:ext uri="{FF2B5EF4-FFF2-40B4-BE49-F238E27FC236}">
+                <a16:creationId xmlns:a16="http://schemas.microsoft.com/office/drawing/2014/main" id="{47F542D2-BB0A-482F-8529-BEE87E792B43}"/>
+              </a:ext>
+            </a:extLst>
+          </p:cNvPr>
+          <p:cNvSpPr txBox="1"/>
+          <p:nvPr/>
+        </p:nvSpPr>
+        <p:spPr>
+          <a:xfrm>
+            <a:off x="8255718" y="5958581"/>
+            <a:ext cx="2619628" cy="369332"/>
+          </a:xfrm>
+          <a:prstGeom prst="rect">
+            <a:avLst/>
+          </a:prstGeom>
+          <a:noFill/>
+        </p:spPr>
+        <p:txBody>
+          <a:bodyPr wrap="none" rtlCol="0">
+            <a:spAutoFit/>
+          </a:bodyPr>
+          <a:lstStyle/>
+          <a:p>
+            <a:r>
+              <a:rPr lang="en-US" i="1" dirty="0"/>
+              <a:t>r-squared value of 0.93</a:t>
+            </a:r>
+          </a:p>
+        </p:txBody>
+      </p:sp>
       <p:pic>
         <p:nvPicPr>
-          <p:cNvPr id="3" name="Picture 2">
+          <p:cNvPr id="6" name="Picture 5">
             <a:extLst>
               <a:ext uri="{FF2B5EF4-FFF2-40B4-BE49-F238E27FC236}">
-                <a16:creationId xmlns:a16="http://schemas.microsoft.com/office/drawing/2014/main" id="{301CBFC0-F4CC-4BC7-91CC-A13005478B21}"/>
+                <a16:creationId xmlns:a16="http://schemas.microsoft.com/office/drawing/2014/main" id="{B02465DF-8628-4A94-A40A-86D5FEC87535}"/>
               </a:ext>
             </a:extLst>
           </p:cNvPr>
@@ -6252,84 +6322,14 @@
         </p:blipFill>
         <p:spPr>
           <a:xfrm>
-            <a:off x="7020545" y="2533899"/>
-            <a:ext cx="4268288" cy="3399425"/>
+            <a:off x="7025309" y="2533477"/>
+            <a:ext cx="4667389" cy="3326886"/>
           </a:xfrm>
           <a:prstGeom prst="rect">
             <a:avLst/>
           </a:prstGeom>
         </p:spPr>
       </p:pic>
-      <p:sp>
-        <p:nvSpPr>
-          <p:cNvPr id="7" name="TextBox 6">
-            <a:extLst>
-              <a:ext uri="{FF2B5EF4-FFF2-40B4-BE49-F238E27FC236}">
-                <a16:creationId xmlns:a16="http://schemas.microsoft.com/office/drawing/2014/main" id="{04AFB78C-1E6F-4C08-AE39-9F3DB2524D15}"/>
-              </a:ext>
-            </a:extLst>
-          </p:cNvPr>
-          <p:cNvSpPr txBox="1"/>
-          <p:nvPr/>
-        </p:nvSpPr>
-        <p:spPr>
-          <a:xfrm>
-            <a:off x="1066800" y="2844225"/>
-            <a:ext cx="5387009" cy="1815882"/>
-          </a:xfrm>
-          <a:prstGeom prst="rect">
-            <a:avLst/>
-          </a:prstGeom>
-          <a:noFill/>
-        </p:spPr>
-        <p:txBody>
-          <a:bodyPr wrap="square" rtlCol="0">
-            <a:spAutoFit/>
-          </a:bodyPr>
-          <a:lstStyle/>
-          <a:p>
-            <a:r>
-              <a:rPr lang="en-US" sz="2800" dirty="0"/>
-              <a:t>With an r-squared value of 0.93, a very strong linear relationship between Palate and Overall Review score exists.</a:t>
-            </a:r>
-          </a:p>
-        </p:txBody>
-      </p:sp>
-      <p:sp>
-        <p:nvSpPr>
-          <p:cNvPr id="2" name="TextBox 1">
-            <a:extLst>
-              <a:ext uri="{FF2B5EF4-FFF2-40B4-BE49-F238E27FC236}">
-                <a16:creationId xmlns:a16="http://schemas.microsoft.com/office/drawing/2014/main" id="{47F542D2-BB0A-482F-8529-BEE87E792B43}"/>
-              </a:ext>
-            </a:extLst>
-          </p:cNvPr>
-          <p:cNvSpPr txBox="1"/>
-          <p:nvPr/>
-        </p:nvSpPr>
-        <p:spPr>
-          <a:xfrm>
-            <a:off x="8255718" y="5958581"/>
-            <a:ext cx="2619628" cy="369332"/>
-          </a:xfrm>
-          <a:prstGeom prst="rect">
-            <a:avLst/>
-          </a:prstGeom>
-          <a:noFill/>
-        </p:spPr>
-        <p:txBody>
-          <a:bodyPr wrap="none" rtlCol="0">
-            <a:spAutoFit/>
-          </a:bodyPr>
-          <a:lstStyle/>
-          <a:p>
-            <a:r>
-              <a:rPr lang="en-US" i="1" dirty="0"/>
-              <a:t>r-squared value of 0.93</a:t>
-            </a:r>
-          </a:p>
-        </p:txBody>
-      </p:sp>
     </p:spTree>
     <p:extLst>
       <p:ext uri="{BB962C8B-B14F-4D97-AF65-F5344CB8AC3E}">
@@ -6412,12 +6412,82 @@
           </a:p>
         </p:txBody>
       </p:sp>
+      <p:sp>
+        <p:nvSpPr>
+          <p:cNvPr id="7" name="TextBox 6">
+            <a:extLst>
+              <a:ext uri="{FF2B5EF4-FFF2-40B4-BE49-F238E27FC236}">
+                <a16:creationId xmlns:a16="http://schemas.microsoft.com/office/drawing/2014/main" id="{B73E345A-B222-4E5E-B297-9903F9B8B9E5}"/>
+              </a:ext>
+            </a:extLst>
+          </p:cNvPr>
+          <p:cNvSpPr txBox="1"/>
+          <p:nvPr/>
+        </p:nvSpPr>
+        <p:spPr>
+          <a:xfrm>
+            <a:off x="1066800" y="2844225"/>
+            <a:ext cx="5387009" cy="2677656"/>
+          </a:xfrm>
+          <a:prstGeom prst="rect">
+            <a:avLst/>
+          </a:prstGeom>
+          <a:noFill/>
+        </p:spPr>
+        <p:txBody>
+          <a:bodyPr wrap="square" rtlCol="0">
+            <a:spAutoFit/>
+          </a:bodyPr>
+          <a:lstStyle/>
+          <a:p>
+            <a:r>
+              <a:rPr lang="en-US" sz="2800" dirty="0"/>
+              <a:t>Not surprisingly, the correlation between Taste and Overall Review score is very strong. With an r-squared value of 0.94, it is clear Taste is a critical driver of Overall Review score.</a:t>
+            </a:r>
+          </a:p>
+        </p:txBody>
+      </p:sp>
+      <p:sp>
+        <p:nvSpPr>
+          <p:cNvPr id="2" name="TextBox 1">
+            <a:extLst>
+              <a:ext uri="{FF2B5EF4-FFF2-40B4-BE49-F238E27FC236}">
+                <a16:creationId xmlns:a16="http://schemas.microsoft.com/office/drawing/2014/main" id="{A24732DB-0FB8-4E51-B518-EA1679A5DCC3}"/>
+              </a:ext>
+            </a:extLst>
+          </p:cNvPr>
+          <p:cNvSpPr txBox="1"/>
+          <p:nvPr/>
+        </p:nvSpPr>
+        <p:spPr>
+          <a:xfrm>
+            <a:off x="8255718" y="5958581"/>
+            <a:ext cx="2619628" cy="369332"/>
+          </a:xfrm>
+          <a:prstGeom prst="rect">
+            <a:avLst/>
+          </a:prstGeom>
+          <a:noFill/>
+        </p:spPr>
+        <p:txBody>
+          <a:bodyPr wrap="none" rtlCol="0">
+            <a:spAutoFit/>
+          </a:bodyPr>
+          <a:lstStyle/>
+          <a:p>
+            <a:r>
+              <a:rPr lang="en-US" i="1" dirty="0"/>
+              <a:t>r-squared value of 0.94</a:t>
+            </a:r>
+          </a:p>
+        </p:txBody>
+      </p:sp>
       <p:pic>
         <p:nvPicPr>
-          <p:cNvPr id="3" name="Picture 2">
+          <p:cNvPr id="6" name="Picture 5">
             <a:extLst>
               <a:ext uri="{FF2B5EF4-FFF2-40B4-BE49-F238E27FC236}">
-                <a16:creationId xmlns:a16="http://schemas.microsoft.com/office/drawing/2014/main" id="{F1520EB7-92E5-4F74-A7F3-67E40926C5D1}"/>
+                <a16:creationId xmlns:a16="http://schemas.microsoft.com/office/drawing/2014/main" id="{AB418D94-0151-483B-B187-A4D03D85FA4F}"/>
               </a:ext>
             </a:extLst>
           </p:cNvPr>
@@ -6434,84 +6504,14 @@
         </p:blipFill>
         <p:spPr>
           <a:xfrm>
-            <a:off x="7018329" y="2526688"/>
-            <a:ext cx="4279149" cy="3410286"/>
+            <a:off x="7025309" y="2533477"/>
+            <a:ext cx="4660276" cy="3297480"/>
           </a:xfrm>
           <a:prstGeom prst="rect">
             <a:avLst/>
           </a:prstGeom>
         </p:spPr>
       </p:pic>
-      <p:sp>
-        <p:nvSpPr>
-          <p:cNvPr id="7" name="TextBox 6">
-            <a:extLst>
-              <a:ext uri="{FF2B5EF4-FFF2-40B4-BE49-F238E27FC236}">
-                <a16:creationId xmlns:a16="http://schemas.microsoft.com/office/drawing/2014/main" id="{B73E345A-B222-4E5E-B297-9903F9B8B9E5}"/>
-              </a:ext>
-            </a:extLst>
-          </p:cNvPr>
-          <p:cNvSpPr txBox="1"/>
-          <p:nvPr/>
-        </p:nvSpPr>
-        <p:spPr>
-          <a:xfrm>
-            <a:off x="1066800" y="2844225"/>
-            <a:ext cx="5387009" cy="2677656"/>
-          </a:xfrm>
-          <a:prstGeom prst="rect">
-            <a:avLst/>
-          </a:prstGeom>
-          <a:noFill/>
-        </p:spPr>
-        <p:txBody>
-          <a:bodyPr wrap="square" rtlCol="0">
-            <a:spAutoFit/>
-          </a:bodyPr>
-          <a:lstStyle/>
-          <a:p>
-            <a:r>
-              <a:rPr lang="en-US" sz="2800" dirty="0"/>
-              <a:t>Not surprisingly, the correlation between Taste and Overall Review score is very strong. With an r-squared value of 0.94, it is clear Taste is a critical driver of Overall Review score.</a:t>
-            </a:r>
-          </a:p>
-        </p:txBody>
-      </p:sp>
-      <p:sp>
-        <p:nvSpPr>
-          <p:cNvPr id="2" name="TextBox 1">
-            <a:extLst>
-              <a:ext uri="{FF2B5EF4-FFF2-40B4-BE49-F238E27FC236}">
-                <a16:creationId xmlns:a16="http://schemas.microsoft.com/office/drawing/2014/main" id="{A24732DB-0FB8-4E51-B518-EA1679A5DCC3}"/>
-              </a:ext>
-            </a:extLst>
-          </p:cNvPr>
-          <p:cNvSpPr txBox="1"/>
-          <p:nvPr/>
-        </p:nvSpPr>
-        <p:spPr>
-          <a:xfrm>
-            <a:off x="8255718" y="5958581"/>
-            <a:ext cx="2619628" cy="369332"/>
-          </a:xfrm>
-          <a:prstGeom prst="rect">
-            <a:avLst/>
-          </a:prstGeom>
-          <a:noFill/>
-        </p:spPr>
-        <p:txBody>
-          <a:bodyPr wrap="none" rtlCol="0">
-            <a:spAutoFit/>
-          </a:bodyPr>
-          <a:lstStyle/>
-          <a:p>
-            <a:r>
-              <a:rPr lang="en-US" i="1" dirty="0"/>
-              <a:t>r-squared value of 0.94</a:t>
-            </a:r>
-          </a:p>
-        </p:txBody>
-      </p:sp>
     </p:spTree>
     <p:extLst>
       <p:ext uri="{BB962C8B-B14F-4D97-AF65-F5344CB8AC3E}">
@@ -6594,12 +6594,82 @@
           </a:p>
         </p:txBody>
       </p:sp>
+      <p:sp>
+        <p:nvSpPr>
+          <p:cNvPr id="7" name="TextBox 6">
+            <a:extLst>
+              <a:ext uri="{FF2B5EF4-FFF2-40B4-BE49-F238E27FC236}">
+                <a16:creationId xmlns:a16="http://schemas.microsoft.com/office/drawing/2014/main" id="{70505E03-8A5A-429A-94CC-D3FD49259FDA}"/>
+              </a:ext>
+            </a:extLst>
+          </p:cNvPr>
+          <p:cNvSpPr txBox="1"/>
+          <p:nvPr/>
+        </p:nvSpPr>
+        <p:spPr>
+          <a:xfrm>
+            <a:off x="1066800" y="2844225"/>
+            <a:ext cx="5387009" cy="1815882"/>
+          </a:xfrm>
+          <a:prstGeom prst="rect">
+            <a:avLst/>
+          </a:prstGeom>
+          <a:noFill/>
+        </p:spPr>
+        <p:txBody>
+          <a:bodyPr wrap="square" rtlCol="0">
+            <a:spAutoFit/>
+          </a:bodyPr>
+          <a:lstStyle/>
+          <a:p>
+            <a:r>
+              <a:rPr lang="en-US" sz="2800" dirty="0"/>
+              <a:t>This scatterplot shows there is essentially no linear correlation between ABV and Overall Review score. </a:t>
+            </a:r>
+          </a:p>
+        </p:txBody>
+      </p:sp>
+      <p:sp>
+        <p:nvSpPr>
+          <p:cNvPr id="2" name="TextBox 1">
+            <a:extLst>
+              <a:ext uri="{FF2B5EF4-FFF2-40B4-BE49-F238E27FC236}">
+                <a16:creationId xmlns:a16="http://schemas.microsoft.com/office/drawing/2014/main" id="{B4309D0F-645C-4D17-B301-5674F08DA44F}"/>
+              </a:ext>
+            </a:extLst>
+          </p:cNvPr>
+          <p:cNvSpPr txBox="1"/>
+          <p:nvPr/>
+        </p:nvSpPr>
+        <p:spPr>
+          <a:xfrm>
+            <a:off x="8255718" y="5958581"/>
+            <a:ext cx="2619628" cy="369332"/>
+          </a:xfrm>
+          <a:prstGeom prst="rect">
+            <a:avLst/>
+          </a:prstGeom>
+          <a:noFill/>
+        </p:spPr>
+        <p:txBody>
+          <a:bodyPr wrap="none" rtlCol="0">
+            <a:spAutoFit/>
+          </a:bodyPr>
+          <a:lstStyle/>
+          <a:p>
+            <a:r>
+              <a:rPr lang="en-US" i="1" dirty="0"/>
+              <a:t>r-squared value of 0.25</a:t>
+            </a:r>
+          </a:p>
+        </p:txBody>
+      </p:sp>
       <p:pic>
         <p:nvPicPr>
-          <p:cNvPr id="3" name="Picture 2">
+          <p:cNvPr id="6" name="Picture 5">
             <a:extLst>
               <a:ext uri="{FF2B5EF4-FFF2-40B4-BE49-F238E27FC236}">
-                <a16:creationId xmlns:a16="http://schemas.microsoft.com/office/drawing/2014/main" id="{08AF3545-6CB7-42B8-992B-3A3C92D89AC8}"/>
+                <a16:creationId xmlns:a16="http://schemas.microsoft.com/office/drawing/2014/main" id="{DCF53FE6-68DB-47B2-B263-7F4E0C9F5F78}"/>
               </a:ext>
             </a:extLst>
           </p:cNvPr>
@@ -6616,84 +6686,14 @@
         </p:blipFill>
         <p:spPr>
           <a:xfrm>
-            <a:off x="7026473" y="2526415"/>
-            <a:ext cx="4235705" cy="3355982"/>
+            <a:off x="7025309" y="2533476"/>
+            <a:ext cx="4667389" cy="3325053"/>
           </a:xfrm>
           <a:prstGeom prst="rect">
             <a:avLst/>
           </a:prstGeom>
         </p:spPr>
       </p:pic>
-      <p:sp>
-        <p:nvSpPr>
-          <p:cNvPr id="7" name="TextBox 6">
-            <a:extLst>
-              <a:ext uri="{FF2B5EF4-FFF2-40B4-BE49-F238E27FC236}">
-                <a16:creationId xmlns:a16="http://schemas.microsoft.com/office/drawing/2014/main" id="{70505E03-8A5A-429A-94CC-D3FD49259FDA}"/>
-              </a:ext>
-            </a:extLst>
-          </p:cNvPr>
-          <p:cNvSpPr txBox="1"/>
-          <p:nvPr/>
-        </p:nvSpPr>
-        <p:spPr>
-          <a:xfrm>
-            <a:off x="1066800" y="2844225"/>
-            <a:ext cx="5387009" cy="1815882"/>
-          </a:xfrm>
-          <a:prstGeom prst="rect">
-            <a:avLst/>
-          </a:prstGeom>
-          <a:noFill/>
-        </p:spPr>
-        <p:txBody>
-          <a:bodyPr wrap="square" rtlCol="0">
-            <a:spAutoFit/>
-          </a:bodyPr>
-          <a:lstStyle/>
-          <a:p>
-            <a:r>
-              <a:rPr lang="en-US" sz="2800" dirty="0"/>
-              <a:t>This scatterplot shows there is essentially no linear correlation between ABV and Overall Review score. </a:t>
-            </a:r>
-          </a:p>
-        </p:txBody>
-      </p:sp>
-      <p:sp>
-        <p:nvSpPr>
-          <p:cNvPr id="2" name="TextBox 1">
-            <a:extLst>
-              <a:ext uri="{FF2B5EF4-FFF2-40B4-BE49-F238E27FC236}">
-                <a16:creationId xmlns:a16="http://schemas.microsoft.com/office/drawing/2014/main" id="{B4309D0F-645C-4D17-B301-5674F08DA44F}"/>
-              </a:ext>
-            </a:extLst>
-          </p:cNvPr>
-          <p:cNvSpPr txBox="1"/>
-          <p:nvPr/>
-        </p:nvSpPr>
-        <p:spPr>
-          <a:xfrm>
-            <a:off x="8255718" y="5958581"/>
-            <a:ext cx="2619628" cy="369332"/>
-          </a:xfrm>
-          <a:prstGeom prst="rect">
-            <a:avLst/>
-          </a:prstGeom>
-          <a:noFill/>
-        </p:spPr>
-        <p:txBody>
-          <a:bodyPr wrap="none" rtlCol="0">
-            <a:spAutoFit/>
-          </a:bodyPr>
-          <a:lstStyle/>
-          <a:p>
-            <a:r>
-              <a:rPr lang="en-US" i="1" dirty="0"/>
-              <a:t>r-squared value of 0.25</a:t>
-            </a:r>
-          </a:p>
-        </p:txBody>
-      </p:sp>
     </p:spTree>
     <p:extLst>
       <p:ext uri="{BB962C8B-B14F-4D97-AF65-F5344CB8AC3E}">
@@ -6772,12 +6772,82 @@
           </a:p>
         </p:txBody>
       </p:sp>
+      <p:sp>
+        <p:nvSpPr>
+          <p:cNvPr id="7" name="TextBox 6">
+            <a:extLst>
+              <a:ext uri="{FF2B5EF4-FFF2-40B4-BE49-F238E27FC236}">
+                <a16:creationId xmlns:a16="http://schemas.microsoft.com/office/drawing/2014/main" id="{B6A88CEA-6B5C-464D-B43B-6B28F5510FD8}"/>
+              </a:ext>
+            </a:extLst>
+          </p:cNvPr>
+          <p:cNvSpPr txBox="1"/>
+          <p:nvPr/>
+        </p:nvSpPr>
+        <p:spPr>
+          <a:xfrm>
+            <a:off x="1066800" y="2844225"/>
+            <a:ext cx="5387009" cy="1815882"/>
+          </a:xfrm>
+          <a:prstGeom prst="rect">
+            <a:avLst/>
+          </a:prstGeom>
+          <a:noFill/>
+        </p:spPr>
+        <p:txBody>
+          <a:bodyPr wrap="square" rtlCol="0">
+            <a:spAutoFit/>
+          </a:bodyPr>
+          <a:lstStyle/>
+          <a:p>
+            <a:r>
+              <a:rPr lang="en-US" sz="2800" dirty="0"/>
+              <a:t>This scatterplot shows there is no linear correlation between Number of Reviews and Overall Review score. </a:t>
+            </a:r>
+          </a:p>
+        </p:txBody>
+      </p:sp>
+      <p:sp>
+        <p:nvSpPr>
+          <p:cNvPr id="2" name="TextBox 1">
+            <a:extLst>
+              <a:ext uri="{FF2B5EF4-FFF2-40B4-BE49-F238E27FC236}">
+                <a16:creationId xmlns:a16="http://schemas.microsoft.com/office/drawing/2014/main" id="{463E33C1-2DF2-46C0-9F5B-B589DBF6ABD0}"/>
+              </a:ext>
+            </a:extLst>
+          </p:cNvPr>
+          <p:cNvSpPr txBox="1"/>
+          <p:nvPr/>
+        </p:nvSpPr>
+        <p:spPr>
+          <a:xfrm>
+            <a:off x="8255718" y="5958581"/>
+            <a:ext cx="2619628" cy="369332"/>
+          </a:xfrm>
+          <a:prstGeom prst="rect">
+            <a:avLst/>
+          </a:prstGeom>
+          <a:noFill/>
+        </p:spPr>
+        <p:txBody>
+          <a:bodyPr wrap="none" rtlCol="0">
+            <a:spAutoFit/>
+          </a:bodyPr>
+          <a:lstStyle/>
+          <a:p>
+            <a:r>
+              <a:rPr lang="en-US" i="1" dirty="0"/>
+              <a:t>r-squared value of 0.17</a:t>
+            </a:r>
+          </a:p>
+        </p:txBody>
+      </p:sp>
       <p:pic>
         <p:nvPicPr>
-          <p:cNvPr id="3" name="Picture 2">
+          <p:cNvPr id="11" name="Picture 10">
             <a:extLst>
               <a:ext uri="{FF2B5EF4-FFF2-40B4-BE49-F238E27FC236}">
-                <a16:creationId xmlns:a16="http://schemas.microsoft.com/office/drawing/2014/main" id="{5F3F13D4-C7AF-4E99-96BE-C5ED0434E7B2}"/>
+                <a16:creationId xmlns:a16="http://schemas.microsoft.com/office/drawing/2014/main" id="{14077A88-7E0C-44B3-85E6-DFCDD5B9B562}"/>
               </a:ext>
             </a:extLst>
           </p:cNvPr>
@@ -6794,88 +6864,14 @@
         </p:blipFill>
         <p:spPr>
           <a:xfrm>
-            <a:off x="7026473" y="2844225"/>
-            <a:ext cx="4235705" cy="3093791"/>
+            <a:off x="7025309" y="2533476"/>
+            <a:ext cx="4656164" cy="3297480"/>
           </a:xfrm>
           <a:prstGeom prst="rect">
             <a:avLst/>
           </a:prstGeom>
         </p:spPr>
       </p:pic>
-      <p:sp>
-        <p:nvSpPr>
-          <p:cNvPr id="7" name="TextBox 6">
-            <a:extLst>
-              <a:ext uri="{FF2B5EF4-FFF2-40B4-BE49-F238E27FC236}">
-                <a16:creationId xmlns:a16="http://schemas.microsoft.com/office/drawing/2014/main" id="{B6A88CEA-6B5C-464D-B43B-6B28F5510FD8}"/>
-              </a:ext>
-            </a:extLst>
-          </p:cNvPr>
-          <p:cNvSpPr txBox="1"/>
-          <p:nvPr/>
-        </p:nvSpPr>
-        <p:spPr>
-          <a:xfrm>
-            <a:off x="1066800" y="2844225"/>
-            <a:ext cx="5387009" cy="1815882"/>
-          </a:xfrm>
-          <a:prstGeom prst="rect">
-            <a:avLst/>
-          </a:prstGeom>
-          <a:noFill/>
-        </p:spPr>
-        <p:txBody>
-          <a:bodyPr wrap="square" rtlCol="0">
-            <a:spAutoFit/>
-          </a:bodyPr>
-          <a:lstStyle/>
-          <a:p>
-            <a:r>
-              <a:rPr lang="en-US" sz="2800" dirty="0"/>
-              <a:t>This scatterplot shows there is no linear correlation between Number of Reviews and Overall Review score. </a:t>
-            </a:r>
-          </a:p>
-        </p:txBody>
-      </p:sp>
-      <p:sp>
-        <p:nvSpPr>
-          <p:cNvPr id="2" name="TextBox 1">
-            <a:extLst>
-              <a:ext uri="{FF2B5EF4-FFF2-40B4-BE49-F238E27FC236}">
-                <a16:creationId xmlns:a16="http://schemas.microsoft.com/office/drawing/2014/main" id="{463E33C1-2DF2-46C0-9F5B-B589DBF6ABD0}"/>
-              </a:ext>
-            </a:extLst>
-          </p:cNvPr>
-          <p:cNvSpPr txBox="1"/>
-          <p:nvPr/>
-        </p:nvSpPr>
-        <p:spPr>
-          <a:xfrm>
-            <a:off x="8255718" y="5958581"/>
-            <a:ext cx="2600392" cy="369332"/>
-          </a:xfrm>
-          <a:prstGeom prst="rect">
-            <a:avLst/>
-          </a:prstGeom>
-          <a:noFill/>
-        </p:spPr>
-        <p:txBody>
-          <a:bodyPr wrap="none" rtlCol="0">
-            <a:spAutoFit/>
-          </a:bodyPr>
-          <a:lstStyle/>
-          <a:p>
-            <a:r>
-              <a:rPr lang="en-US" i="1" dirty="0">
-                <a:solidFill>
-                  <a:srgbClr val="FF0000"/>
-                </a:solidFill>
-              </a:rPr>
-              <a:t>r-squared value of x.xx</a:t>
-            </a:r>
-          </a:p>
-        </p:txBody>
-      </p:sp>
     </p:spTree>
     <p:extLst>
       <p:ext uri="{BB962C8B-B14F-4D97-AF65-F5344CB8AC3E}">
@@ -7033,7 +7029,7 @@
         <p:spPr>
           <a:xfrm>
             <a:off x="1066800" y="530087"/>
-            <a:ext cx="10084904" cy="4031873"/>
+            <a:ext cx="10084904" cy="5016758"/>
           </a:xfrm>
           <a:prstGeom prst="rect">
             <a:avLst/>
@@ -7077,7 +7073,21 @@
                   <a:srgbClr val="FF0000"/>
                 </a:solidFill>
               </a:rPr>
-              <a:t>Based on user data</a:t>
+              <a:t>Based on user response data</a:t>
+            </a:r>
+          </a:p>
+          <a:p>
+            <a:pPr marL="514350" indent="-514350">
+              <a:buFont typeface="Arial" panose="020B0604020202020204" pitchFamily="34" charset="0"/>
+              <a:buChar char="•"/>
+            </a:pPr>
+            <a:r>
+              <a:rPr lang="en-US" sz="3200" dirty="0">
+                <a:solidFill>
+                  <a:srgbClr val="FF0000"/>
+                </a:solidFill>
+              </a:rPr>
+              <a:t>Only analyzed beer with &gt;50 ratings</a:t>
             </a:r>
           </a:p>
           <a:p>
@@ -7106,6 +7116,20 @@
                 </a:solidFill>
               </a:rPr>
               <a:t>No pricing data available</a:t>
+            </a:r>
+          </a:p>
+          <a:p>
+            <a:pPr marL="514350" indent="-514350">
+              <a:buFont typeface="Arial" panose="020B0604020202020204" pitchFamily="34" charset="0"/>
+              <a:buChar char="•"/>
+            </a:pPr>
+            <a:r>
+              <a:rPr lang="en-US" sz="3200" dirty="0">
+                <a:solidFill>
+                  <a:srgbClr val="FF0000"/>
+                </a:solidFill>
+              </a:rPr>
+              <a:t>No IBU ratings included in data set</a:t>
             </a:r>
           </a:p>
           <a:p>
@@ -7965,7 +7989,7 @@
         <p:spPr>
           <a:xfrm>
             <a:off x="1066800" y="530087"/>
-            <a:ext cx="10084904" cy="4524315"/>
+            <a:ext cx="10084904" cy="4647426"/>
           </a:xfrm>
           <a:prstGeom prst="rect">
             <a:avLst/>
@@ -7995,6 +8019,9 @@
               <a:rPr lang="en-US" sz="3200" dirty="0"/>
               <a:t>Research Questions to Answer:</a:t>
             </a:r>
+          </a:p>
+          <a:p>
+            <a:endParaRPr lang="en-US" sz="800" dirty="0"/>
           </a:p>
           <a:p>
             <a:pPr marL="457200" indent="-457200">
@@ -8104,7 +8131,7 @@
         <p:spPr>
           <a:xfrm>
             <a:off x="1066800" y="530087"/>
-            <a:ext cx="10084904" cy="5509200"/>
+            <a:ext cx="10084904" cy="5755422"/>
           </a:xfrm>
           <a:prstGeom prst="rect">
             <a:avLst/>
@@ -8136,13 +8163,16 @@
             </a:r>
           </a:p>
           <a:p>
+            <a:endParaRPr lang="en-US" sz="800" dirty="0"/>
+          </a:p>
+          <a:p>
             <a:pPr marL="914400" lvl="1" indent="-457200" fontAlgn="base">
               <a:buFont typeface="Arial" panose="020B0604020202020204" pitchFamily="34" charset="0"/>
               <a:buChar char="•"/>
             </a:pPr>
             <a:r>
               <a:rPr lang="en-US" sz="3200" dirty="0"/>
-              <a:t>Kaggle - Beer Reviews (1.5 million of beer reviews from BeerAdvocates)</a:t>
+              <a:t>Kaggle - Beer Reviews (1.5 million beer reviews from BeerAdvocates)</a:t>
             </a:r>
           </a:p>
           <a:p>
@@ -8163,6 +8193,9 @@
               <a:rPr lang="en-US" sz="3200" dirty="0"/>
               <a:t>Task Ownership:</a:t>
             </a:r>
+          </a:p>
+          <a:p>
+            <a:endParaRPr lang="en-US" sz="800" dirty="0"/>
           </a:p>
           <a:p>
             <a:pPr marL="914400" lvl="1" indent="-457200">
@@ -8234,7 +8267,7 @@
         <p:spPr>
           <a:xfrm>
             <a:off x="1066800" y="530087"/>
-            <a:ext cx="10084904" cy="5386090"/>
+            <a:ext cx="10084904" cy="5509200"/>
           </a:xfrm>
           <a:prstGeom prst="rect">
             <a:avLst/>
@@ -8264,6 +8297,9 @@
               <a:rPr lang="en-US" sz="3200" dirty="0"/>
               <a:t>Explanation of Data Cleaning Efforts:</a:t>
             </a:r>
+          </a:p>
+          <a:p>
+            <a:endParaRPr lang="en-US" sz="800" dirty="0"/>
           </a:p>
           <a:p>
             <a:pPr marL="914400" lvl="1" indent="-457200">
@@ -8393,7 +8429,7 @@
         <p:spPr>
           <a:xfrm>
             <a:off x="1066800" y="530087"/>
-            <a:ext cx="10084904" cy="3970318"/>
+            <a:ext cx="10084904" cy="4093428"/>
           </a:xfrm>
           <a:prstGeom prst="rect">
             <a:avLst/>
@@ -8423,6 +8459,9 @@
               <a:rPr lang="en-US" sz="3200" dirty="0"/>
               <a:t>Explanation of Data Cleaning Efforts (cont.):</a:t>
             </a:r>
+          </a:p>
+          <a:p>
+            <a:endParaRPr lang="en-US" sz="800" dirty="0"/>
           </a:p>
           <a:p>
             <a:pPr marL="914400" lvl="1" indent="-457200">
@@ -8509,7 +8548,7 @@
         <p:spPr>
           <a:xfrm>
             <a:off x="1066800" y="530087"/>
-            <a:ext cx="6632713" cy="5016758"/>
+            <a:ext cx="6632713" cy="5139869"/>
           </a:xfrm>
           <a:prstGeom prst="rect">
             <a:avLst/>
@@ -8539,6 +8578,9 @@
               <a:rPr lang="en-US" sz="3200" dirty="0"/>
               <a:t>A quick look at the data…</a:t>
             </a:r>
+          </a:p>
+          <a:p>
+            <a:endParaRPr lang="en-US" sz="800" dirty="0"/>
           </a:p>
           <a:p>
             <a:pPr marL="914400" lvl="1" indent="-457200">
@@ -8605,7 +8647,7 @@
         </p:blipFill>
         <p:spPr>
           <a:xfrm>
-            <a:off x="6902933" y="1373114"/>
+            <a:off x="7313745" y="1373114"/>
             <a:ext cx="2729947" cy="2055886"/>
           </a:xfrm>
           <a:prstGeom prst="rect">
@@ -8615,10 +8657,10 @@
       </p:pic>
       <p:pic>
         <p:nvPicPr>
-          <p:cNvPr id="3" name="Picture 2">
+          <p:cNvPr id="6" name="Picture 5">
             <a:extLst>
               <a:ext uri="{FF2B5EF4-FFF2-40B4-BE49-F238E27FC236}">
-                <a16:creationId xmlns:a16="http://schemas.microsoft.com/office/drawing/2014/main" id="{B73B4557-2CBC-4062-B41B-D921E1ABF6A6}"/>
+                <a16:creationId xmlns:a16="http://schemas.microsoft.com/office/drawing/2014/main" id="{BC23E811-1B4B-4150-8FFF-E05CC14AB0D4}"/>
               </a:ext>
             </a:extLst>
           </p:cNvPr>
@@ -8635,8 +8677,8 @@
         </p:blipFill>
         <p:spPr>
           <a:xfrm>
-            <a:off x="6718852" y="3759610"/>
-            <a:ext cx="3098111" cy="2846157"/>
+            <a:off x="7051808" y="3877455"/>
+            <a:ext cx="2962275" cy="2781300"/>
           </a:xfrm>
           <a:prstGeom prst="rect">
             <a:avLst/>
@@ -8688,7 +8730,7 @@
         <p:spPr>
           <a:xfrm>
             <a:off x="1066800" y="530087"/>
-            <a:ext cx="10084904" cy="6309420"/>
+            <a:ext cx="10084904" cy="6432530"/>
           </a:xfrm>
           <a:prstGeom prst="rect">
             <a:avLst/>
@@ -8718,6 +8760,9 @@
               <a:rPr lang="en-US" sz="3200" dirty="0"/>
               <a:t>What is the best beer in each review category?</a:t>
             </a:r>
+          </a:p>
+          <a:p>
+            <a:endParaRPr lang="en-US" sz="800" dirty="0"/>
           </a:p>
           <a:p>
             <a:pPr marL="914400" lvl="1" indent="-457200">
@@ -8854,7 +8899,7 @@
               <a:buFont typeface="Arial" panose="020B0604020202020204" pitchFamily="34" charset="0"/>
               <a:buChar char="•"/>
             </a:pPr>
-            <a:endParaRPr lang="pt-BR" sz="2400" dirty="0"/>
+            <a:endParaRPr lang="pt-BR" sz="1200" dirty="0"/>
           </a:p>
           <a:p>
             <a:pPr lvl="1"/>
@@ -8955,12 +9000,88 @@
           </a:p>
         </p:txBody>
       </p:sp>
+      <p:sp>
+        <p:nvSpPr>
+          <p:cNvPr id="8" name="TextBox 7">
+            <a:extLst>
+              <a:ext uri="{FF2B5EF4-FFF2-40B4-BE49-F238E27FC236}">
+                <a16:creationId xmlns:a16="http://schemas.microsoft.com/office/drawing/2014/main" id="{A7135FAE-EE6E-42E5-A3B1-948ACB98C790}"/>
+              </a:ext>
+            </a:extLst>
+          </p:cNvPr>
+          <p:cNvSpPr txBox="1"/>
+          <p:nvPr/>
+        </p:nvSpPr>
+        <p:spPr>
+          <a:xfrm>
+            <a:off x="1066800" y="2844225"/>
+            <a:ext cx="5387009" cy="1815882"/>
+          </a:xfrm>
+          <a:prstGeom prst="rect">
+            <a:avLst/>
+          </a:prstGeom>
+          <a:noFill/>
+        </p:spPr>
+        <p:txBody>
+          <a:bodyPr wrap="square" rtlCol="0">
+            <a:spAutoFit/>
+          </a:bodyPr>
+          <a:lstStyle/>
+          <a:p>
+            <a:r>
+              <a:rPr lang="en-US" sz="2800" dirty="0"/>
+              <a:t>This scatterplot reflects an</a:t>
+            </a:r>
+          </a:p>
+          <a:p>
+            <a:r>
+              <a:rPr lang="en-US" sz="2800" dirty="0"/>
+              <a:t>r-squared value of 0.87, revealing a strong linear relationship between Aroma and Overall Review score.</a:t>
+            </a:r>
+          </a:p>
+        </p:txBody>
+      </p:sp>
+      <p:sp>
+        <p:nvSpPr>
+          <p:cNvPr id="2" name="TextBox 1">
+            <a:extLst>
+              <a:ext uri="{FF2B5EF4-FFF2-40B4-BE49-F238E27FC236}">
+                <a16:creationId xmlns:a16="http://schemas.microsoft.com/office/drawing/2014/main" id="{DCFD56B2-132F-4EC4-84DB-C053DCA15FD8}"/>
+              </a:ext>
+            </a:extLst>
+          </p:cNvPr>
+          <p:cNvSpPr txBox="1"/>
+          <p:nvPr/>
+        </p:nvSpPr>
+        <p:spPr>
+          <a:xfrm>
+            <a:off x="8255718" y="5958581"/>
+            <a:ext cx="2619628" cy="369332"/>
+          </a:xfrm>
+          <a:prstGeom prst="rect">
+            <a:avLst/>
+          </a:prstGeom>
+          <a:noFill/>
+        </p:spPr>
+        <p:txBody>
+          <a:bodyPr wrap="none" rtlCol="0">
+            <a:spAutoFit/>
+          </a:bodyPr>
+          <a:lstStyle/>
+          <a:p>
+            <a:r>
+              <a:rPr lang="en-US" i="1" dirty="0"/>
+              <a:t>r-squared value of 0.87</a:t>
+            </a:r>
+          </a:p>
+        </p:txBody>
+      </p:sp>
       <p:pic>
         <p:nvPicPr>
-          <p:cNvPr id="3" name="Picture 2">
+          <p:cNvPr id="5" name="Picture 4">
             <a:extLst>
               <a:ext uri="{FF2B5EF4-FFF2-40B4-BE49-F238E27FC236}">
-                <a16:creationId xmlns:a16="http://schemas.microsoft.com/office/drawing/2014/main" id="{E5994254-3966-4AEB-898A-EF64FEAB7A8D}"/>
+                <a16:creationId xmlns:a16="http://schemas.microsoft.com/office/drawing/2014/main" id="{82A13991-E115-4956-9E90-550924515E11}"/>
               </a:ext>
             </a:extLst>
           </p:cNvPr>
@@ -8977,90 +9098,14 @@
         </p:blipFill>
         <p:spPr>
           <a:xfrm>
-            <a:off x="7025309" y="2533478"/>
-            <a:ext cx="4257427" cy="3366843"/>
+            <a:off x="7025309" y="2533477"/>
+            <a:ext cx="4667389" cy="3297480"/>
           </a:xfrm>
           <a:prstGeom prst="rect">
             <a:avLst/>
           </a:prstGeom>
         </p:spPr>
       </p:pic>
-      <p:sp>
-        <p:nvSpPr>
-          <p:cNvPr id="8" name="TextBox 7">
-            <a:extLst>
-              <a:ext uri="{FF2B5EF4-FFF2-40B4-BE49-F238E27FC236}">
-                <a16:creationId xmlns:a16="http://schemas.microsoft.com/office/drawing/2014/main" id="{A7135FAE-EE6E-42E5-A3B1-948ACB98C790}"/>
-              </a:ext>
-            </a:extLst>
-          </p:cNvPr>
-          <p:cNvSpPr txBox="1"/>
-          <p:nvPr/>
-        </p:nvSpPr>
-        <p:spPr>
-          <a:xfrm>
-            <a:off x="1066800" y="2844225"/>
-            <a:ext cx="5387009" cy="1815882"/>
-          </a:xfrm>
-          <a:prstGeom prst="rect">
-            <a:avLst/>
-          </a:prstGeom>
-          <a:noFill/>
-        </p:spPr>
-        <p:txBody>
-          <a:bodyPr wrap="square" rtlCol="0">
-            <a:spAutoFit/>
-          </a:bodyPr>
-          <a:lstStyle/>
-          <a:p>
-            <a:r>
-              <a:rPr lang="en-US" sz="2800" dirty="0"/>
-              <a:t>This scatterplot reflects an</a:t>
-            </a:r>
-          </a:p>
-          <a:p>
-            <a:r>
-              <a:rPr lang="en-US" sz="2800" dirty="0"/>
-              <a:t>r-squared value of 0.87, revealing a strong linear relationship between Aroma and Overall Review score.</a:t>
-            </a:r>
-          </a:p>
-        </p:txBody>
-      </p:sp>
-      <p:sp>
-        <p:nvSpPr>
-          <p:cNvPr id="2" name="TextBox 1">
-            <a:extLst>
-              <a:ext uri="{FF2B5EF4-FFF2-40B4-BE49-F238E27FC236}">
-                <a16:creationId xmlns:a16="http://schemas.microsoft.com/office/drawing/2014/main" id="{DCFD56B2-132F-4EC4-84DB-C053DCA15FD8}"/>
-              </a:ext>
-            </a:extLst>
-          </p:cNvPr>
-          <p:cNvSpPr txBox="1"/>
-          <p:nvPr/>
-        </p:nvSpPr>
-        <p:spPr>
-          <a:xfrm>
-            <a:off x="8255718" y="5958581"/>
-            <a:ext cx="2619628" cy="369332"/>
-          </a:xfrm>
-          <a:prstGeom prst="rect">
-            <a:avLst/>
-          </a:prstGeom>
-          <a:noFill/>
-        </p:spPr>
-        <p:txBody>
-          <a:bodyPr wrap="none" rtlCol="0">
-            <a:spAutoFit/>
-          </a:bodyPr>
-          <a:lstStyle/>
-          <a:p>
-            <a:r>
-              <a:rPr lang="en-US" i="1" dirty="0"/>
-              <a:t>r-squared value of 0.87</a:t>
-            </a:r>
-          </a:p>
-        </p:txBody>
-      </p:sp>
     </p:spTree>
     <p:extLst>
       <p:ext uri="{BB962C8B-B14F-4D97-AF65-F5344CB8AC3E}">
